--- a/軟工策略小組_整合簡報.pptx
+++ b/軟工策略小組_整合簡報.pptx
@@ -7,14 +7,19 @@
   <p:sldIdLst>
     <p:sldId id="256" r:id="rId2"/>
     <p:sldId id="258" r:id="rId3"/>
-    <p:sldId id="257" r:id="rId4"/>
-    <p:sldId id="263" r:id="rId5"/>
-    <p:sldId id="259" r:id="rId6"/>
-    <p:sldId id="260" r:id="rId7"/>
-    <p:sldId id="261" r:id="rId8"/>
-    <p:sldId id="264" r:id="rId9"/>
-    <p:sldId id="265" r:id="rId10"/>
-    <p:sldId id="266" r:id="rId11"/>
+    <p:sldId id="267" r:id="rId4"/>
+    <p:sldId id="268" r:id="rId5"/>
+    <p:sldId id="270" r:id="rId6"/>
+    <p:sldId id="257" r:id="rId7"/>
+    <p:sldId id="263" r:id="rId8"/>
+    <p:sldId id="259" r:id="rId9"/>
+    <p:sldId id="260" r:id="rId10"/>
+    <p:sldId id="261" r:id="rId11"/>
+    <p:sldId id="264" r:id="rId12"/>
+    <p:sldId id="271" r:id="rId13"/>
+    <p:sldId id="266" r:id="rId14"/>
+    <p:sldId id="272" r:id="rId15"/>
+    <p:sldId id="269" r:id="rId16"/>
   </p:sldIdLst>
   <p:sldSz cx="12192000" cy="6858000"/>
   <p:notesSz cx="6858000" cy="9144000"/>
@@ -310,7 +315,7 @@
             <a:fld id="{B61BEF0D-F0BB-DE4B-95CE-6DB70DBA9567}" type="datetimeFigureOut">
               <a:rPr lang="en-US" dirty="0"/>
               <a:pPr/>
-              <a:t>1/21/2021</a:t>
+              <a:t>1/28/2021</a:t>
             </a:fld>
             <a:endParaRPr lang="en-US" dirty="0"/>
           </a:p>
@@ -645,7 +650,7 @@
             <a:fld id="{B61BEF0D-F0BB-DE4B-95CE-6DB70DBA9567}" type="datetimeFigureOut">
               <a:rPr lang="en-US" dirty="0"/>
               <a:pPr/>
-              <a:t>1/21/2021</a:t>
+              <a:t>1/28/2021</a:t>
             </a:fld>
             <a:endParaRPr lang="en-US" dirty="0"/>
           </a:p>
@@ -1043,7 +1048,7 @@
             <a:fld id="{B61BEF0D-F0BB-DE4B-95CE-6DB70DBA9567}" type="datetimeFigureOut">
               <a:rPr lang="en-US" dirty="0"/>
               <a:pPr/>
-              <a:t>1/21/2021</a:t>
+              <a:t>1/28/2021</a:t>
             </a:fld>
             <a:endParaRPr lang="en-US" dirty="0"/>
           </a:p>
@@ -1376,7 +1381,7 @@
             <a:fld id="{B61BEF0D-F0BB-DE4B-95CE-6DB70DBA9567}" type="datetimeFigureOut">
               <a:rPr lang="en-US" dirty="0"/>
               <a:pPr/>
-              <a:t>1/21/2021</a:t>
+              <a:t>1/28/2021</a:t>
             </a:fld>
             <a:endParaRPr lang="en-US" dirty="0"/>
           </a:p>
@@ -1693,7 +1698,7 @@
             <a:fld id="{B61BEF0D-F0BB-DE4B-95CE-6DB70DBA9567}" type="datetimeFigureOut">
               <a:rPr lang="en-US" dirty="0"/>
               <a:pPr/>
-              <a:t>1/21/2021</a:t>
+              <a:t>1/28/2021</a:t>
             </a:fld>
             <a:endParaRPr lang="en-US" dirty="0"/>
           </a:p>
@@ -2086,7 +2091,7 @@
             <a:fld id="{B61BEF0D-F0BB-DE4B-95CE-6DB70DBA9567}" type="datetimeFigureOut">
               <a:rPr lang="en-US" dirty="0"/>
               <a:pPr/>
-              <a:t>1/21/2021</a:t>
+              <a:t>1/28/2021</a:t>
             </a:fld>
             <a:endParaRPr lang="en-US" dirty="0"/>
           </a:p>
@@ -2340,7 +2345,7 @@
             <a:fld id="{B61BEF0D-F0BB-DE4B-95CE-6DB70DBA9567}" type="datetimeFigureOut">
               <a:rPr lang="en-US" dirty="0"/>
               <a:pPr/>
-              <a:t>1/21/2021</a:t>
+              <a:t>1/28/2021</a:t>
             </a:fld>
             <a:endParaRPr lang="en-US" dirty="0"/>
           </a:p>
@@ -2599,7 +2604,7 @@
             <a:fld id="{B61BEF0D-F0BB-DE4B-95CE-6DB70DBA9567}" type="datetimeFigureOut">
               <a:rPr lang="en-US" dirty="0"/>
               <a:pPr/>
-              <a:t>1/21/2021</a:t>
+              <a:t>1/28/2021</a:t>
             </a:fld>
             <a:endParaRPr lang="en-US" dirty="0"/>
           </a:p>
@@ -2858,7 +2863,7 @@
             <a:fld id="{B61BEF0D-F0BB-DE4B-95CE-6DB70DBA9567}" type="datetimeFigureOut">
               <a:rPr lang="en-US" dirty="0"/>
               <a:pPr/>
-              <a:t>1/21/2021</a:t>
+              <a:t>1/28/2021</a:t>
             </a:fld>
             <a:endParaRPr lang="en-US" dirty="0"/>
           </a:p>
@@ -3184,7 +3189,7 @@
             <a:fld id="{B61BEF0D-F0BB-DE4B-95CE-6DB70DBA9567}" type="datetimeFigureOut">
               <a:rPr lang="en-US" dirty="0"/>
               <a:pPr/>
-              <a:t>1/21/2021</a:t>
+              <a:t>1/28/2021</a:t>
             </a:fld>
             <a:endParaRPr lang="en-US" dirty="0"/>
           </a:p>
@@ -3504,7 +3509,7 @@
             <a:fld id="{B61BEF0D-F0BB-DE4B-95CE-6DB70DBA9567}" type="datetimeFigureOut">
               <a:rPr lang="en-US" dirty="0"/>
               <a:pPr/>
-              <a:t>1/21/2021</a:t>
+              <a:t>1/28/2021</a:t>
             </a:fld>
             <a:endParaRPr lang="en-US" dirty="0"/>
           </a:p>
@@ -3958,7 +3963,7 @@
             <a:fld id="{B61BEF0D-F0BB-DE4B-95CE-6DB70DBA9567}" type="datetimeFigureOut">
               <a:rPr lang="en-US" dirty="0"/>
               <a:pPr/>
-              <a:t>1/21/2021</a:t>
+              <a:t>1/28/2021</a:t>
             </a:fld>
             <a:endParaRPr lang="en-US" dirty="0"/>
           </a:p>
@@ -4160,7 +4165,7 @@
             <a:fld id="{B61BEF0D-F0BB-DE4B-95CE-6DB70DBA9567}" type="datetimeFigureOut">
               <a:rPr lang="en-US" dirty="0"/>
               <a:pPr/>
-              <a:t>1/21/2021</a:t>
+              <a:t>1/28/2021</a:t>
             </a:fld>
             <a:endParaRPr lang="en-US" dirty="0"/>
           </a:p>
@@ -4334,7 +4339,7 @@
             <a:fld id="{B61BEF0D-F0BB-DE4B-95CE-6DB70DBA9567}" type="datetimeFigureOut">
               <a:rPr lang="en-US" dirty="0"/>
               <a:pPr/>
-              <a:t>1/21/2021</a:t>
+              <a:t>1/28/2021</a:t>
             </a:fld>
             <a:endParaRPr lang="en-US" dirty="0"/>
           </a:p>
@@ -4664,7 +4669,7 @@
             <a:fld id="{B61BEF0D-F0BB-DE4B-95CE-6DB70DBA9567}" type="datetimeFigureOut">
               <a:rPr lang="en-US" dirty="0"/>
               <a:pPr/>
-              <a:t>1/21/2021</a:t>
+              <a:t>1/28/2021</a:t>
             </a:fld>
             <a:endParaRPr lang="en-US" dirty="0"/>
           </a:p>
@@ -5006,7 +5011,7 @@
             <a:fld id="{B61BEF0D-F0BB-DE4B-95CE-6DB70DBA9567}" type="datetimeFigureOut">
               <a:rPr lang="en-US" dirty="0"/>
               <a:pPr/>
-              <a:t>1/21/2021</a:t>
+              <a:t>1/28/2021</a:t>
             </a:fld>
             <a:endParaRPr lang="en-US" dirty="0"/>
           </a:p>
@@ -7120,7 +7125,7 @@
             <a:fld id="{B61BEF0D-F0BB-DE4B-95CE-6DB70DBA9567}" type="datetimeFigureOut">
               <a:rPr lang="en-US" dirty="0"/>
               <a:pPr/>
-              <a:t>1/21/2021</a:t>
+              <a:t>1/28/2021</a:t>
             </a:fld>
             <a:endParaRPr lang="en-US" dirty="0"/>
           </a:p>
@@ -7646,33 +7651,55 @@
         </p:nvSpPr>
         <p:spPr/>
         <p:txBody>
-          <a:bodyPr/>
+          <a:bodyPr>
+            <a:normAutofit/>
+          </a:bodyPr>
           <a:lstStyle/>
           <a:p>
             <a:r>
-              <a:rPr lang="zh-TW" altLang="en-US" dirty="0" smtClean="0"/>
-              <a:t>為什麼前後端要</a:t>
-            </a:r>
-            <a:r>
-              <a:rPr lang="en-US" altLang="zh-TW" dirty="0" smtClean="0"/>
+              <a:rPr lang="en-US" altLang="zh-TW" sz="4000" dirty="0" smtClean="0">
+                <a:latin typeface="+mj-ea"/>
+              </a:rPr>
+              <a:t>					</a:t>
+            </a:r>
+            <a:r>
+              <a:rPr lang="zh-TW" altLang="en-US" sz="4000" dirty="0" smtClean="0">
+                <a:latin typeface="+mj-ea"/>
+              </a:rPr>
+              <a:t>為什麼</a:t>
+            </a:r>
+            <a:r>
+              <a:rPr lang="zh-TW" altLang="en-US" sz="4000" dirty="0" smtClean="0">
+                <a:latin typeface="+mj-ea"/>
+              </a:rPr>
+              <a:t>前後端要</a:t>
+            </a:r>
+            <a:r>
+              <a:rPr lang="en-US" altLang="zh-TW" sz="4000" dirty="0" smtClean="0">
+                <a:latin typeface="+mj-ea"/>
+              </a:rPr>
               <a:t/>
             </a:r>
             <a:br>
-              <a:rPr lang="en-US" altLang="zh-TW" dirty="0" smtClean="0"/>
+              <a:rPr lang="en-US" altLang="zh-TW" sz="4000" dirty="0" smtClean="0">
+                <a:latin typeface="+mj-ea"/>
+              </a:rPr>
             </a:br>
             <a:r>
-              <a:rPr lang="zh-TW" altLang="en-US" dirty="0" smtClean="0"/>
-              <a:t>分</a:t>
-            </a:r>
-            <a:r>
-              <a:rPr lang="en-US" altLang="zh-TW" dirty="0" smtClean="0"/>
-              <a:t>-------------------------------</a:t>
-            </a:r>
-            <a:r>
-              <a:rPr lang="zh-TW" altLang="en-US" dirty="0" smtClean="0"/>
-              <a:t>離</a:t>
-            </a:r>
-            <a:endParaRPr lang="zh-TW" altLang="en-US" dirty="0"/>
+              <a:rPr lang="en-US" altLang="zh-TW" sz="4000" dirty="0" smtClean="0">
+                <a:latin typeface="+mj-ea"/>
+              </a:rPr>
+              <a:t>	</a:t>
+            </a:r>
+            <a:r>
+              <a:rPr lang="zh-TW" altLang="en-US" sz="4000" dirty="0" smtClean="0">
+                <a:latin typeface="+mj-ea"/>
+              </a:rPr>
+              <a:t>分                                                      離</a:t>
+            </a:r>
+            <a:endParaRPr lang="zh-TW" altLang="en-US" sz="4000" dirty="0">
+              <a:latin typeface="+mj-ea"/>
+            </a:endParaRPr>
           </a:p>
         </p:txBody>
       </p:sp>
@@ -7711,6 +7738,41 @@
           </a:p>
         </p:txBody>
       </p:sp>
+      <p:cxnSp>
+        <p:nvCxnSpPr>
+          <p:cNvPr id="5" name="直線接點 4"/>
+          <p:cNvCxnSpPr/>
+          <p:nvPr/>
+        </p:nvCxnSpPr>
+        <p:spPr>
+          <a:xfrm>
+            <a:off x="3657600" y="4406348"/>
+            <a:ext cx="6804000" cy="0"/>
+          </a:xfrm>
+          <a:prstGeom prst="line">
+            <a:avLst/>
+          </a:prstGeom>
+          <a:ln w="69850">
+            <a:solidFill>
+              <a:srgbClr val="FF0000"/>
+            </a:solidFill>
+          </a:ln>
+        </p:spPr>
+        <p:style>
+          <a:lnRef idx="1">
+            <a:schemeClr val="accent1"/>
+          </a:lnRef>
+          <a:fillRef idx="0">
+            <a:schemeClr val="accent1"/>
+          </a:fillRef>
+          <a:effectRef idx="0">
+            <a:schemeClr val="accent1"/>
+          </a:effectRef>
+          <a:fontRef idx="minor">
+            <a:schemeClr val="tx1"/>
+          </a:fontRef>
+        </p:style>
+      </p:cxnSp>
     </p:spTree>
     <p:extLst>
       <p:ext uri="{BB962C8B-B14F-4D97-AF65-F5344CB8AC3E}">
@@ -7758,33 +7820,507 @@
             <p:ph type="title"/>
           </p:nvPr>
         </p:nvSpPr>
-        <p:spPr/>
+        <p:spPr>
+          <a:xfrm>
+            <a:off x="2592925" y="624110"/>
+            <a:ext cx="8911687" cy="640445"/>
+          </a:xfrm>
+        </p:spPr>
+        <p:txBody>
+          <a:bodyPr>
+            <a:normAutofit/>
+          </a:bodyPr>
+          <a:lstStyle/>
+          <a:p>
+            <a:r>
+              <a:rPr lang="en-US" altLang="zh-TW" b="1" dirty="0">
+                <a:latin typeface="+mj-ea"/>
+              </a:rPr>
+              <a:t>Single Page Application(SPA</a:t>
+            </a:r>
+            <a:r>
+              <a:rPr lang="en-US" altLang="zh-TW" b="1" dirty="0" smtClean="0">
+                <a:latin typeface="+mj-ea"/>
+              </a:rPr>
+              <a:t>)</a:t>
+            </a:r>
+            <a:endParaRPr lang="zh-TW" altLang="en-US" b="1" dirty="0">
+              <a:latin typeface="+mj-ea"/>
+            </a:endParaRPr>
+          </a:p>
+        </p:txBody>
+      </p:sp>
+      <p:pic>
+        <p:nvPicPr>
+          <p:cNvPr id="5" name="內容版面配置區 4"/>
+          <p:cNvPicPr>
+            <a:picLocks noGrp="1" noChangeAspect="1"/>
+          </p:cNvPicPr>
+          <p:nvPr>
+            <p:ph idx="1"/>
+          </p:nvPr>
+        </p:nvPicPr>
+        <p:blipFill>
+          <a:blip r:embed="rId2"/>
+          <a:stretch>
+            <a:fillRect/>
+          </a:stretch>
+        </p:blipFill>
+        <p:spPr>
+          <a:xfrm>
+            <a:off x="2592925" y="1264555"/>
+            <a:ext cx="8179152" cy="5148146"/>
+          </a:xfrm>
+          <a:prstGeom prst="rect">
+            <a:avLst/>
+          </a:prstGeom>
+        </p:spPr>
+      </p:pic>
+    </p:spTree>
+    <p:extLst>
+      <p:ext uri="{BB962C8B-B14F-4D97-AF65-F5344CB8AC3E}">
+        <p14:creationId xmlns:p14="http://schemas.microsoft.com/office/powerpoint/2010/main" val="2837648607"/>
+      </p:ext>
+    </p:extLst>
+  </p:cSld>
+  <p:clrMapOvr>
+    <a:masterClrMapping/>
+  </p:clrMapOvr>
+  <p:timing>
+    <p:tnLst>
+      <p:par>
+        <p:cTn id="1" dur="indefinite" restart="never" nodeType="tmRoot"/>
+      </p:par>
+    </p:tnLst>
+  </p:timing>
+</p:sld>
+</file>
+
+<file path=ppt/slides/slide11.xml><?xml version="1.0" encoding="utf-8"?>
+<p:sld xmlns:a="http://schemas.openxmlformats.org/drawingml/2006/main" xmlns:r="http://schemas.openxmlformats.org/officeDocument/2006/relationships" xmlns:p="http://schemas.openxmlformats.org/presentationml/2006/main">
+  <p:cSld>
+    <p:spTree>
+      <p:nvGrpSpPr>
+        <p:cNvPr id="1" name=""/>
+        <p:cNvGrpSpPr/>
+        <p:nvPr/>
+      </p:nvGrpSpPr>
+      <p:grpSpPr>
+        <a:xfrm>
+          <a:off x="0" y="0"/>
+          <a:ext cx="0" cy="0"/>
+          <a:chOff x="0" y="0"/>
+          <a:chExt cx="0" cy="0"/>
+        </a:xfrm>
+      </p:grpSpPr>
+      <p:sp>
+        <p:nvSpPr>
+          <p:cNvPr id="2" name="標題 1"/>
+          <p:cNvSpPr>
+            <a:spLocks noGrp="1"/>
+          </p:cNvSpPr>
+          <p:nvPr>
+            <p:ph type="title"/>
+          </p:nvPr>
+        </p:nvSpPr>
+        <p:spPr>
+          <a:xfrm>
+            <a:off x="1923852" y="2631329"/>
+            <a:ext cx="8911687" cy="1280890"/>
+          </a:xfrm>
+        </p:spPr>
         <p:txBody>
           <a:bodyPr/>
           <a:lstStyle/>
           <a:p>
+            <a:pPr algn="ctr">
+              <a:lnSpc>
+                <a:spcPct val="200000"/>
+              </a:lnSpc>
+            </a:pPr>
             <a:r>
               <a:rPr lang="zh-TW" altLang="en-US" dirty="0" smtClean="0"/>
-              <a:t>預計開發流程</a:t>
+              <a:t>目前預計構思</a:t>
             </a:r>
             <a:endParaRPr lang="zh-TW" altLang="en-US" dirty="0"/>
           </a:p>
         </p:txBody>
       </p:sp>
-      <p:sp>
-        <p:nvSpPr>
-          <p:cNvPr id="3" name="內容版面配置區 2"/>
-          <p:cNvSpPr>
-            <a:spLocks noGrp="1"/>
-          </p:cNvSpPr>
-          <p:nvPr>
-            <p:ph idx="1"/>
+    </p:spTree>
+    <p:extLst>
+      <p:ext uri="{BB962C8B-B14F-4D97-AF65-F5344CB8AC3E}">
+        <p14:creationId xmlns:p14="http://schemas.microsoft.com/office/powerpoint/2010/main" val="1623776780"/>
+      </p:ext>
+    </p:extLst>
+  </p:cSld>
+  <p:clrMapOvr>
+    <a:masterClrMapping/>
+  </p:clrMapOvr>
+  <p:timing>
+    <p:tnLst>
+      <p:par>
+        <p:cTn id="1" dur="indefinite" restart="never" nodeType="tmRoot"/>
+      </p:par>
+    </p:tnLst>
+  </p:timing>
+</p:sld>
+</file>
+
+<file path=ppt/slides/slide12.xml><?xml version="1.0" encoding="utf-8"?>
+<p:sld xmlns:a="http://schemas.openxmlformats.org/drawingml/2006/main" xmlns:r="http://schemas.openxmlformats.org/officeDocument/2006/relationships" xmlns:p="http://schemas.openxmlformats.org/presentationml/2006/main">
+  <p:cSld>
+    <p:spTree>
+      <p:nvGrpSpPr>
+        <p:cNvPr id="1" name=""/>
+        <p:cNvGrpSpPr/>
+        <p:nvPr/>
+      </p:nvGrpSpPr>
+      <p:grpSpPr>
+        <a:xfrm>
+          <a:off x="0" y="0"/>
+          <a:ext cx="0" cy="0"/>
+          <a:chOff x="0" y="0"/>
+          <a:chExt cx="0" cy="0"/>
+        </a:xfrm>
+      </p:grpSpPr>
+      <p:sp>
+        <p:nvSpPr>
+          <p:cNvPr id="2" name="標題 1"/>
+          <p:cNvSpPr>
+            <a:spLocks noGrp="1"/>
+          </p:cNvSpPr>
+          <p:nvPr>
+            <p:ph type="title"/>
           </p:nvPr>
         </p:nvSpPr>
         <p:spPr/>
         <p:txBody>
           <a:bodyPr/>
           <a:lstStyle/>
+          <a:p>
+            <a:r>
+              <a:rPr lang="zh-TW" altLang="en-US" dirty="0"/>
+              <a:t>預計</a:t>
+            </a:r>
+            <a:r>
+              <a:rPr lang="zh-TW" altLang="en-US" dirty="0" smtClean="0"/>
+              <a:t>構思</a:t>
+            </a:r>
+            <a:endParaRPr lang="zh-TW" altLang="en-US" dirty="0"/>
+          </a:p>
+        </p:txBody>
+      </p:sp>
+      <p:sp>
+        <p:nvSpPr>
+          <p:cNvPr id="3" name="內容版面配置區 2"/>
+          <p:cNvSpPr>
+            <a:spLocks noGrp="1"/>
+          </p:cNvSpPr>
+          <p:nvPr>
+            <p:ph idx="1"/>
+          </p:nvPr>
+        </p:nvSpPr>
+        <p:spPr/>
+        <p:txBody>
+          <a:bodyPr/>
+          <a:lstStyle/>
+          <a:p>
+            <a:r>
+              <a:rPr lang="zh-TW" altLang="en-US" dirty="0" smtClean="0">
+                <a:latin typeface="+mn-ea"/>
+              </a:rPr>
+              <a:t>使用</a:t>
+            </a:r>
+            <a:r>
+              <a:rPr lang="en-US" altLang="zh-TW" dirty="0" smtClean="0">
+                <a:latin typeface="+mn-ea"/>
+              </a:rPr>
+              <a:t>CSR</a:t>
+            </a:r>
+            <a:r>
+              <a:rPr lang="zh-TW" altLang="en-US" dirty="0">
+                <a:latin typeface="+mn-ea"/>
+              </a:rPr>
+              <a:t>形式實作前後端</a:t>
+            </a:r>
+            <a:r>
+              <a:rPr lang="zh-TW" altLang="en-US" dirty="0" smtClean="0">
+                <a:latin typeface="+mn-ea"/>
+              </a:rPr>
+              <a:t>分離</a:t>
+            </a:r>
+            <a:endParaRPr lang="en-US" altLang="zh-TW" dirty="0" smtClean="0">
+              <a:latin typeface="+mn-ea"/>
+            </a:endParaRPr>
+          </a:p>
+          <a:p>
+            <a:r>
+              <a:rPr lang="en-US" altLang="zh-TW" dirty="0" err="1" smtClean="0">
+                <a:latin typeface="+mn-ea"/>
+              </a:rPr>
+              <a:t>Laravel</a:t>
+            </a:r>
+            <a:r>
+              <a:rPr lang="zh-TW" altLang="en-US" dirty="0" smtClean="0">
+                <a:latin typeface="+mn-ea"/>
+              </a:rPr>
+              <a:t> 撰寫商業邏輯並</a:t>
+            </a:r>
+            <a:r>
+              <a:rPr lang="en-US" altLang="zh-TW" dirty="0" smtClean="0">
+                <a:latin typeface="+mn-ea"/>
+              </a:rPr>
+              <a:t>API</a:t>
+            </a:r>
+            <a:r>
+              <a:rPr lang="zh-TW" altLang="en-US" dirty="0" smtClean="0">
+                <a:latin typeface="+mn-ea"/>
+              </a:rPr>
+              <a:t>化</a:t>
+            </a:r>
+            <a:endParaRPr lang="en-US" altLang="zh-TW" dirty="0" smtClean="0">
+              <a:latin typeface="+mn-ea"/>
+            </a:endParaRPr>
+          </a:p>
+          <a:p>
+            <a:r>
+              <a:rPr lang="en-US" altLang="zh-TW" dirty="0" err="1" smtClean="0">
+                <a:latin typeface="+mn-ea"/>
+              </a:rPr>
+              <a:t>Vue</a:t>
+            </a:r>
+            <a:r>
+              <a:rPr lang="zh-TW" altLang="en-US" dirty="0" smtClean="0">
+                <a:latin typeface="+mn-ea"/>
+              </a:rPr>
+              <a:t> 取得資料渲染畫面，減輕</a:t>
+            </a:r>
+            <a:r>
+              <a:rPr lang="en-US" altLang="zh-TW" dirty="0" smtClean="0">
+                <a:latin typeface="+mn-ea"/>
+              </a:rPr>
+              <a:t>SERVER</a:t>
+            </a:r>
+            <a:r>
+              <a:rPr lang="zh-TW" altLang="en-US" dirty="0" smtClean="0">
+                <a:latin typeface="+mn-ea"/>
+              </a:rPr>
+              <a:t>工作，並提升使用者體驗</a:t>
+            </a:r>
+            <a:endParaRPr lang="en-US" altLang="zh-TW" dirty="0">
+              <a:latin typeface="+mn-ea"/>
+            </a:endParaRPr>
+          </a:p>
+          <a:p>
+            <a:endParaRPr lang="zh-TW" altLang="en-US" dirty="0">
+              <a:latin typeface="+mn-ea"/>
+            </a:endParaRPr>
+          </a:p>
+        </p:txBody>
+      </p:sp>
+    </p:spTree>
+    <p:extLst>
+      <p:ext uri="{BB962C8B-B14F-4D97-AF65-F5344CB8AC3E}">
+        <p14:creationId xmlns:p14="http://schemas.microsoft.com/office/powerpoint/2010/main" val="1223978874"/>
+      </p:ext>
+    </p:extLst>
+  </p:cSld>
+  <p:clrMapOvr>
+    <a:masterClrMapping/>
+  </p:clrMapOvr>
+  <p:timing>
+    <p:tnLst>
+      <p:par>
+        <p:cTn id="1" dur="indefinite" restart="never" nodeType="tmRoot"/>
+      </p:par>
+    </p:tnLst>
+  </p:timing>
+</p:sld>
+</file>
+
+<file path=ppt/slides/slide13.xml><?xml version="1.0" encoding="utf-8"?>
+<p:sld xmlns:a="http://schemas.openxmlformats.org/drawingml/2006/main" xmlns:r="http://schemas.openxmlformats.org/officeDocument/2006/relationships" xmlns:p="http://schemas.openxmlformats.org/presentationml/2006/main">
+  <p:cSld>
+    <p:spTree>
+      <p:nvGrpSpPr>
+        <p:cNvPr id="1" name=""/>
+        <p:cNvGrpSpPr/>
+        <p:nvPr/>
+      </p:nvGrpSpPr>
+      <p:grpSpPr>
+        <a:xfrm>
+          <a:off x="0" y="0"/>
+          <a:ext cx="0" cy="0"/>
+          <a:chOff x="0" y="0"/>
+          <a:chExt cx="0" cy="0"/>
+        </a:xfrm>
+      </p:grpSpPr>
+      <p:sp>
+        <p:nvSpPr>
+          <p:cNvPr id="2" name="標題 1"/>
+          <p:cNvSpPr>
+            <a:spLocks noGrp="1"/>
+          </p:cNvSpPr>
+          <p:nvPr>
+            <p:ph type="title"/>
+          </p:nvPr>
+        </p:nvSpPr>
+        <p:spPr/>
+        <p:txBody>
+          <a:bodyPr/>
+          <a:lstStyle/>
+          <a:p>
+            <a:r>
+              <a:rPr lang="zh-TW" altLang="en-US" dirty="0" smtClean="0"/>
+              <a:t>預計</a:t>
+            </a:r>
+            <a:r>
+              <a:rPr lang="zh-TW" altLang="en-US" dirty="0" smtClean="0"/>
+              <a:t>使用技術</a:t>
+            </a:r>
+            <a:endParaRPr lang="zh-TW" altLang="en-US" dirty="0"/>
+          </a:p>
+        </p:txBody>
+      </p:sp>
+      <p:sp>
+        <p:nvSpPr>
+          <p:cNvPr id="3" name="內容版面配置區 2"/>
+          <p:cNvSpPr>
+            <a:spLocks noGrp="1"/>
+          </p:cNvSpPr>
+          <p:nvPr>
+            <p:ph idx="1"/>
+          </p:nvPr>
+        </p:nvSpPr>
+        <p:spPr/>
+        <p:txBody>
+          <a:bodyPr>
+            <a:normAutofit/>
+          </a:bodyPr>
+          <a:lstStyle/>
+          <a:p>
+            <a:r>
+              <a:rPr lang="zh-TW" altLang="en-US" dirty="0" smtClean="0"/>
+              <a:t>前端技術</a:t>
+            </a:r>
+            <a:endParaRPr lang="en-US" altLang="zh-TW" dirty="0" smtClean="0"/>
+          </a:p>
+          <a:p>
+            <a:pPr lvl="1"/>
+            <a:r>
+              <a:rPr lang="en-US" altLang="zh-TW" dirty="0" smtClean="0">
+                <a:latin typeface="+mn-ea"/>
+                <a:hlinkClick r:id="rId2"/>
+              </a:rPr>
+              <a:t>Vue.js</a:t>
+            </a:r>
+            <a:endParaRPr lang="en-US" altLang="zh-TW" dirty="0" smtClean="0">
+              <a:latin typeface="+mn-ea"/>
+            </a:endParaRPr>
+          </a:p>
+          <a:p>
+            <a:pPr lvl="1"/>
+            <a:r>
+              <a:rPr lang="en-US" altLang="zh-TW" dirty="0" smtClean="0">
+                <a:latin typeface="+mn-ea"/>
+                <a:hlinkClick r:id="rId3"/>
+              </a:rPr>
+              <a:t>Bootstrap-</a:t>
+            </a:r>
+            <a:r>
+              <a:rPr lang="en-US" altLang="zh-TW" dirty="0" err="1" smtClean="0">
+                <a:latin typeface="+mn-ea"/>
+                <a:hlinkClick r:id="rId3"/>
+              </a:rPr>
+              <a:t>vue</a:t>
+            </a:r>
+            <a:endParaRPr lang="en-US" altLang="zh-TW" dirty="0" smtClean="0">
+              <a:latin typeface="+mn-ea"/>
+            </a:endParaRPr>
+          </a:p>
+          <a:p>
+            <a:r>
+              <a:rPr lang="zh-TW" altLang="en-US" dirty="0" smtClean="0">
+                <a:latin typeface="+mn-ea"/>
+              </a:rPr>
+              <a:t>後端技術</a:t>
+            </a:r>
+            <a:endParaRPr lang="en-US" altLang="zh-TW" dirty="0">
+              <a:latin typeface="+mn-ea"/>
+            </a:endParaRPr>
+          </a:p>
+          <a:p>
+            <a:pPr lvl="1"/>
+            <a:r>
+              <a:rPr lang="en-US" altLang="zh-TW" dirty="0" err="1" smtClean="0">
+                <a:latin typeface="+mn-ea"/>
+                <a:hlinkClick r:id="rId4"/>
+              </a:rPr>
+              <a:t>Laravel</a:t>
+            </a:r>
+            <a:endParaRPr lang="en-US" altLang="zh-TW" dirty="0" smtClean="0">
+              <a:latin typeface="+mn-ea"/>
+            </a:endParaRPr>
+          </a:p>
+          <a:p>
+            <a:pPr lvl="1"/>
+            <a:r>
+              <a:rPr lang="en-US" altLang="zh-TW" dirty="0" err="1" smtClean="0">
+                <a:latin typeface="+mn-ea"/>
+                <a:hlinkClick r:id="rId5"/>
+              </a:rPr>
+              <a:t>axios</a:t>
+            </a:r>
+            <a:endParaRPr lang="en-US" altLang="zh-TW" dirty="0" smtClean="0">
+              <a:latin typeface="+mn-ea"/>
+            </a:endParaRPr>
+          </a:p>
+          <a:p>
+            <a:pPr lvl="1"/>
+            <a:r>
+              <a:rPr lang="en-US" altLang="zh-TW" dirty="0">
+                <a:latin typeface="+mn-ea"/>
+                <a:hlinkClick r:id="rId6"/>
+              </a:rPr>
+              <a:t>Restful</a:t>
+            </a:r>
+            <a:r>
+              <a:rPr lang="en-US" altLang="zh-TW" dirty="0" smtClean="0">
+                <a:latin typeface="+mn-ea"/>
+                <a:hlinkClick r:id="rId6"/>
+              </a:rPr>
+              <a:t> API</a:t>
+            </a:r>
+            <a:endParaRPr lang="en-US" altLang="zh-TW" dirty="0" smtClean="0">
+              <a:latin typeface="+mn-ea"/>
+            </a:endParaRPr>
+          </a:p>
+          <a:p>
+            <a:pPr lvl="1"/>
+            <a:r>
+              <a:rPr lang="en-US" altLang="zh-TW" dirty="0" err="1" smtClean="0">
+                <a:latin typeface="+mn-ea"/>
+                <a:hlinkClick r:id="rId7"/>
+              </a:rPr>
+              <a:t>GraphQL</a:t>
+            </a:r>
+            <a:r>
+              <a:rPr lang="en-US" altLang="zh-TW" dirty="0" smtClean="0">
+                <a:latin typeface="+mn-ea"/>
+                <a:hlinkClick r:id="rId7"/>
+              </a:rPr>
+              <a:t> API </a:t>
+            </a:r>
+            <a:r>
+              <a:rPr lang="en-US" altLang="zh-TW" dirty="0" smtClean="0">
+                <a:latin typeface="+mn-ea"/>
+              </a:rPr>
+              <a:t>?</a:t>
+            </a:r>
+            <a:endParaRPr lang="zh-TW" altLang="en-US" dirty="0">
+              <a:latin typeface="+mn-ea"/>
+            </a:endParaRPr>
+          </a:p>
           <a:p>
             <a:endParaRPr lang="zh-TW" altLang="en-US" dirty="0"/>
           </a:p>
@@ -7800,6 +8336,277 @@
   <p:clrMapOvr>
     <a:masterClrMapping/>
   </p:clrMapOvr>
+  <p:timing>
+    <p:tnLst>
+      <p:par>
+        <p:cTn id="1" dur="indefinite" restart="never" nodeType="tmRoot"/>
+      </p:par>
+    </p:tnLst>
+  </p:timing>
+</p:sld>
+</file>
+
+<file path=ppt/slides/slide14.xml><?xml version="1.0" encoding="utf-8"?>
+<p:sld xmlns:a="http://schemas.openxmlformats.org/drawingml/2006/main" xmlns:r="http://schemas.openxmlformats.org/officeDocument/2006/relationships" xmlns:p="http://schemas.openxmlformats.org/presentationml/2006/main">
+  <p:cSld>
+    <p:spTree>
+      <p:nvGrpSpPr>
+        <p:cNvPr id="1" name=""/>
+        <p:cNvGrpSpPr/>
+        <p:nvPr/>
+      </p:nvGrpSpPr>
+      <p:grpSpPr>
+        <a:xfrm>
+          <a:off x="0" y="0"/>
+          <a:ext cx="0" cy="0"/>
+          <a:chOff x="0" y="0"/>
+          <a:chExt cx="0" cy="0"/>
+        </a:xfrm>
+      </p:grpSpPr>
+      <p:sp>
+        <p:nvSpPr>
+          <p:cNvPr id="4" name="矩形 3"/>
+          <p:cNvSpPr/>
+          <p:nvPr/>
+        </p:nvSpPr>
+        <p:spPr>
+          <a:xfrm>
+            <a:off x="5457043" y="3244334"/>
+            <a:ext cx="1277914" cy="646331"/>
+          </a:xfrm>
+          <a:prstGeom prst="rect">
+            <a:avLst/>
+          </a:prstGeom>
+        </p:spPr>
+        <p:txBody>
+          <a:bodyPr wrap="none">
+            <a:spAutoFit/>
+          </a:bodyPr>
+          <a:lstStyle/>
+          <a:p>
+            <a:pPr algn="ctr"/>
+            <a:r>
+              <a:rPr lang="en-US" altLang="zh-TW" sz="3600" dirty="0">
+                <a:solidFill>
+                  <a:srgbClr val="FF0000"/>
+                </a:solidFill>
+                <a:latin typeface="+mn-ea"/>
+              </a:rPr>
+              <a:t>Q&amp;A</a:t>
+            </a:r>
+            <a:endParaRPr lang="zh-TW" altLang="en-US" sz="3600" dirty="0">
+              <a:solidFill>
+                <a:srgbClr val="FF0000"/>
+              </a:solidFill>
+              <a:latin typeface="+mn-ea"/>
+            </a:endParaRPr>
+          </a:p>
+        </p:txBody>
+      </p:sp>
+    </p:spTree>
+    <p:extLst>
+      <p:ext uri="{BB962C8B-B14F-4D97-AF65-F5344CB8AC3E}">
+        <p14:creationId xmlns:p14="http://schemas.microsoft.com/office/powerpoint/2010/main" val="2100324488"/>
+      </p:ext>
+    </p:extLst>
+  </p:cSld>
+  <p:clrMapOvr>
+    <a:masterClrMapping/>
+  </p:clrMapOvr>
+  <p:timing>
+    <p:tnLst>
+      <p:par>
+        <p:cTn id="1" dur="indefinite" restart="never" nodeType="tmRoot"/>
+      </p:par>
+    </p:tnLst>
+  </p:timing>
+</p:sld>
+</file>
+
+<file path=ppt/slides/slide15.xml><?xml version="1.0" encoding="utf-8"?>
+<p:sld xmlns:a="http://schemas.openxmlformats.org/drawingml/2006/main" xmlns:r="http://schemas.openxmlformats.org/officeDocument/2006/relationships" xmlns:p="http://schemas.openxmlformats.org/presentationml/2006/main">
+  <p:cSld>
+    <p:spTree>
+      <p:nvGrpSpPr>
+        <p:cNvPr id="1" name=""/>
+        <p:cNvGrpSpPr/>
+        <p:nvPr/>
+      </p:nvGrpSpPr>
+      <p:grpSpPr>
+        <a:xfrm>
+          <a:off x="0" y="0"/>
+          <a:ext cx="0" cy="0"/>
+          <a:chOff x="0" y="0"/>
+          <a:chExt cx="0" cy="0"/>
+        </a:xfrm>
+      </p:grpSpPr>
+      <p:sp>
+        <p:nvSpPr>
+          <p:cNvPr id="2" name="標題 1"/>
+          <p:cNvSpPr>
+            <a:spLocks noGrp="1"/>
+          </p:cNvSpPr>
+          <p:nvPr>
+            <p:ph type="title"/>
+          </p:nvPr>
+        </p:nvSpPr>
+        <p:spPr/>
+        <p:txBody>
+          <a:bodyPr/>
+          <a:lstStyle/>
+          <a:p>
+            <a:r>
+              <a:rPr lang="zh-TW" altLang="en-US" dirty="0" smtClean="0"/>
+              <a:t>參考文獻來源</a:t>
+            </a:r>
+            <a:endParaRPr lang="zh-TW" altLang="en-US" dirty="0"/>
+          </a:p>
+        </p:txBody>
+      </p:sp>
+      <p:sp>
+        <p:nvSpPr>
+          <p:cNvPr id="3" name="內容版面配置區 2"/>
+          <p:cNvSpPr>
+            <a:spLocks noGrp="1"/>
+          </p:cNvSpPr>
+          <p:nvPr>
+            <p:ph idx="1"/>
+          </p:nvPr>
+        </p:nvSpPr>
+        <p:spPr/>
+        <p:txBody>
+          <a:bodyPr/>
+          <a:lstStyle/>
+          <a:p>
+            <a:r>
+              <a:rPr lang="zh-TW" altLang="en-US" b="1" dirty="0">
+                <a:latin typeface="+mn-ea"/>
+                <a:hlinkClick r:id="rId2"/>
+              </a:rPr>
+              <a:t>前後端分離與 </a:t>
+            </a:r>
+            <a:r>
+              <a:rPr lang="en-US" altLang="zh-TW" b="1" dirty="0" smtClean="0">
+                <a:latin typeface="+mn-ea"/>
+                <a:hlinkClick r:id="rId2"/>
+              </a:rPr>
+              <a:t>SPA</a:t>
+            </a:r>
+            <a:endParaRPr lang="en-US" altLang="zh-TW" b="1" dirty="0" smtClean="0">
+              <a:latin typeface="+mn-ea"/>
+            </a:endParaRPr>
+          </a:p>
+          <a:p>
+            <a:r>
+              <a:rPr lang="en-US" altLang="zh-TW" dirty="0">
+                <a:latin typeface="+mn-ea"/>
+                <a:hlinkClick r:id="rId3"/>
+              </a:rPr>
+              <a:t>Vue.js</a:t>
+            </a:r>
+            <a:endParaRPr lang="en-US" altLang="zh-TW" dirty="0">
+              <a:latin typeface="+mn-ea"/>
+            </a:endParaRPr>
+          </a:p>
+          <a:p>
+            <a:r>
+              <a:rPr lang="en-US" altLang="zh-TW" dirty="0">
+                <a:latin typeface="+mn-ea"/>
+                <a:hlinkClick r:id="rId4"/>
+              </a:rPr>
+              <a:t>Bootstrap-</a:t>
+            </a:r>
+            <a:r>
+              <a:rPr lang="en-US" altLang="zh-TW" dirty="0" err="1">
+                <a:latin typeface="+mn-ea"/>
+                <a:hlinkClick r:id="rId4"/>
+              </a:rPr>
+              <a:t>vue</a:t>
+            </a:r>
+            <a:endParaRPr lang="en-US" altLang="zh-TW" dirty="0">
+              <a:latin typeface="+mn-ea"/>
+            </a:endParaRPr>
+          </a:p>
+          <a:p>
+            <a:r>
+              <a:rPr lang="en-US" altLang="zh-TW" dirty="0" err="1" smtClean="0">
+                <a:latin typeface="+mn-ea"/>
+                <a:hlinkClick r:id="rId5"/>
+              </a:rPr>
+              <a:t>Laravel</a:t>
+            </a:r>
+            <a:endParaRPr lang="en-US" altLang="zh-TW" dirty="0">
+              <a:latin typeface="+mn-ea"/>
+            </a:endParaRPr>
+          </a:p>
+          <a:p>
+            <a:r>
+              <a:rPr lang="en-US" altLang="zh-TW" dirty="0" err="1">
+                <a:latin typeface="+mn-ea"/>
+                <a:hlinkClick r:id="rId6"/>
+              </a:rPr>
+              <a:t>axios</a:t>
+            </a:r>
+            <a:endParaRPr lang="en-US" altLang="zh-TW" dirty="0">
+              <a:latin typeface="+mn-ea"/>
+            </a:endParaRPr>
+          </a:p>
+          <a:p>
+            <a:r>
+              <a:rPr lang="en-US" altLang="zh-TW" dirty="0">
+                <a:latin typeface="+mn-ea"/>
+                <a:hlinkClick r:id="rId7"/>
+              </a:rPr>
+              <a:t>Restful API</a:t>
+            </a:r>
+            <a:endParaRPr lang="en-US" altLang="zh-TW" dirty="0">
+              <a:latin typeface="+mn-ea"/>
+            </a:endParaRPr>
+          </a:p>
+          <a:p>
+            <a:r>
+              <a:rPr lang="en-US" altLang="zh-TW" dirty="0" err="1">
+                <a:latin typeface="+mn-ea"/>
+                <a:hlinkClick r:id="rId8"/>
+              </a:rPr>
+              <a:t>GraphQL</a:t>
+            </a:r>
+            <a:r>
+              <a:rPr lang="en-US" altLang="zh-TW" dirty="0">
+                <a:latin typeface="+mn-ea"/>
+                <a:hlinkClick r:id="rId8"/>
+              </a:rPr>
+              <a:t> API </a:t>
+            </a:r>
+            <a:endParaRPr lang="zh-TW" altLang="en-US" dirty="0">
+              <a:latin typeface="+mn-ea"/>
+            </a:endParaRPr>
+          </a:p>
+          <a:p>
+            <a:endParaRPr lang="en-US" altLang="zh-TW" b="1" dirty="0"/>
+          </a:p>
+          <a:p>
+            <a:endParaRPr lang="zh-TW" altLang="en-US" dirty="0"/>
+          </a:p>
+        </p:txBody>
+      </p:sp>
+    </p:spTree>
+    <p:extLst>
+      <p:ext uri="{BB962C8B-B14F-4D97-AF65-F5344CB8AC3E}">
+        <p14:creationId xmlns:p14="http://schemas.microsoft.com/office/powerpoint/2010/main" val="2676820416"/>
+      </p:ext>
+    </p:extLst>
+  </p:cSld>
+  <p:clrMapOvr>
+    <a:masterClrMapping/>
+  </p:clrMapOvr>
+  <p:timing>
+    <p:tnLst>
+      <p:par>
+        <p:cTn id="1" dur="indefinite" restart="never" nodeType="tmRoot"/>
+      </p:par>
+    </p:tnLst>
+  </p:timing>
 </p:sld>
 </file>
 
@@ -7858,34 +8665,54 @@
           <a:lstStyle/>
           <a:p>
             <a:r>
-              <a:rPr lang="zh-TW" altLang="en-US" dirty="0" smtClean="0"/>
+              <a:rPr lang="zh-TW" altLang="en-US" dirty="0" smtClean="0">
+                <a:latin typeface="+mn-ea"/>
+              </a:rPr>
               <a:t>什麼是前後端分離</a:t>
             </a:r>
             <a:r>
-              <a:rPr lang="en-US" altLang="zh-TW" dirty="0" smtClean="0"/>
+              <a:rPr lang="en-US" altLang="zh-TW" dirty="0" smtClean="0">
+                <a:latin typeface="+mn-ea"/>
+              </a:rPr>
               <a:t>?</a:t>
             </a:r>
           </a:p>
           <a:p>
             <a:r>
-              <a:rPr lang="zh-TW" altLang="en-US" dirty="0"/>
+              <a:rPr lang="zh-TW" altLang="en-US" dirty="0">
+                <a:latin typeface="+mn-ea"/>
+              </a:rPr>
               <a:t>前後端</a:t>
             </a:r>
             <a:r>
-              <a:rPr lang="zh-TW" altLang="en-US" dirty="0" smtClean="0"/>
+              <a:rPr lang="zh-TW" altLang="en-US" dirty="0" smtClean="0">
+                <a:latin typeface="+mn-ea"/>
+              </a:rPr>
               <a:t>分離類型有哪些</a:t>
             </a:r>
             <a:r>
-              <a:rPr lang="en-US" altLang="zh-TW" dirty="0" smtClean="0"/>
+              <a:rPr lang="en-US" altLang="zh-TW" dirty="0" smtClean="0">
+                <a:latin typeface="+mn-ea"/>
+              </a:rPr>
               <a:t>?</a:t>
             </a:r>
           </a:p>
           <a:p>
             <a:r>
-              <a:rPr lang="zh-TW" altLang="en-US" dirty="0"/>
-              <a:t>目前構思</a:t>
-            </a:r>
-            <a:endParaRPr lang="en-US" altLang="zh-TW" dirty="0" smtClean="0"/>
+              <a:rPr lang="zh-TW" altLang="en-US" dirty="0" smtClean="0">
+                <a:latin typeface="+mn-ea"/>
+              </a:rPr>
+              <a:t>目前預計</a:t>
+            </a:r>
+            <a:r>
+              <a:rPr lang="zh-TW" altLang="en-US" dirty="0">
+                <a:latin typeface="+mn-ea"/>
+              </a:rPr>
+              <a:t>構思</a:t>
+            </a:r>
+            <a:endParaRPr lang="en-US" altLang="zh-TW" dirty="0" smtClean="0">
+              <a:latin typeface="+mn-ea"/>
+            </a:endParaRPr>
           </a:p>
         </p:txBody>
       </p:sp>
@@ -7899,10 +8726,522 @@
   <p:clrMapOvr>
     <a:masterClrMapping/>
   </p:clrMapOvr>
+  <p:timing>
+    <p:tnLst>
+      <p:par>
+        <p:cTn id="1" dur="indefinite" restart="never" nodeType="tmRoot"/>
+      </p:par>
+    </p:tnLst>
+  </p:timing>
 </p:sld>
 </file>
 
 <file path=ppt/slides/slide3.xml><?xml version="1.0" encoding="utf-8"?>
+<p:sld xmlns:a="http://schemas.openxmlformats.org/drawingml/2006/main" xmlns:r="http://schemas.openxmlformats.org/officeDocument/2006/relationships" xmlns:p="http://schemas.openxmlformats.org/presentationml/2006/main">
+  <p:cSld>
+    <p:spTree>
+      <p:nvGrpSpPr>
+        <p:cNvPr id="1" name=""/>
+        <p:cNvGrpSpPr/>
+        <p:nvPr/>
+      </p:nvGrpSpPr>
+      <p:grpSpPr>
+        <a:xfrm>
+          <a:off x="0" y="0"/>
+          <a:ext cx="0" cy="0"/>
+          <a:chOff x="0" y="0"/>
+          <a:chExt cx="0" cy="0"/>
+        </a:xfrm>
+      </p:grpSpPr>
+      <p:sp>
+        <p:nvSpPr>
+          <p:cNvPr id="2" name="標題 1"/>
+          <p:cNvSpPr>
+            <a:spLocks noGrp="1"/>
+          </p:cNvSpPr>
+          <p:nvPr>
+            <p:ph type="title"/>
+          </p:nvPr>
+        </p:nvSpPr>
+        <p:spPr/>
+        <p:txBody>
+          <a:bodyPr/>
+          <a:lstStyle/>
+          <a:p>
+            <a:r>
+              <a:rPr lang="zh-TW" altLang="en-US" dirty="0" smtClean="0"/>
+              <a:t>你有這樣的困擾嗎</a:t>
+            </a:r>
+            <a:r>
+              <a:rPr lang="en-US" altLang="zh-TW" dirty="0" smtClean="0"/>
+              <a:t>?</a:t>
+            </a:r>
+            <a:endParaRPr lang="zh-TW" altLang="en-US" dirty="0"/>
+          </a:p>
+        </p:txBody>
+      </p:sp>
+      <p:sp>
+        <p:nvSpPr>
+          <p:cNvPr id="3" name="內容版面配置區 2"/>
+          <p:cNvSpPr>
+            <a:spLocks noGrp="1"/>
+          </p:cNvSpPr>
+          <p:nvPr>
+            <p:ph idx="1"/>
+          </p:nvPr>
+        </p:nvSpPr>
+        <p:spPr/>
+        <p:txBody>
+          <a:bodyPr/>
+          <a:lstStyle/>
+          <a:p>
+            <a:r>
+              <a:rPr lang="zh-TW" altLang="en-US" dirty="0" smtClean="0"/>
+              <a:t>為了提升使用者體驗度，用了一堆</a:t>
+            </a:r>
+            <a:r>
+              <a:rPr lang="en-US" altLang="zh-TW" dirty="0" smtClean="0"/>
+              <a:t>JS</a:t>
+            </a:r>
+            <a:r>
+              <a:rPr lang="zh-TW" altLang="en-US" dirty="0" smtClean="0"/>
+              <a:t>、</a:t>
+            </a:r>
+            <a:r>
+              <a:rPr lang="en-US" altLang="zh-TW" dirty="0" err="1" smtClean="0"/>
+              <a:t>Jquery</a:t>
+            </a:r>
+            <a:r>
+              <a:rPr lang="zh-TW" altLang="en-US" dirty="0" smtClean="0"/>
+              <a:t>、</a:t>
+            </a:r>
+            <a:r>
+              <a:rPr lang="en-US" altLang="zh-TW" dirty="0" smtClean="0"/>
+              <a:t>Ajax</a:t>
+            </a:r>
+            <a:r>
+              <a:rPr lang="zh-TW" altLang="en-US" dirty="0" smtClean="0"/>
+              <a:t>等</a:t>
+            </a:r>
+            <a:r>
+              <a:rPr lang="en-US" altLang="zh-TW" dirty="0" smtClean="0"/>
+              <a:t>….</a:t>
+            </a:r>
+            <a:br>
+              <a:rPr lang="en-US" altLang="zh-TW" dirty="0" smtClean="0"/>
+            </a:br>
+            <a:r>
+              <a:rPr lang="zh-TW" altLang="en-US" dirty="0" smtClean="0"/>
+              <a:t>結果換來一堆對</a:t>
+            </a:r>
+            <a:r>
+              <a:rPr lang="en-US" altLang="zh-TW" dirty="0" smtClean="0"/>
+              <a:t>DOM</a:t>
+            </a:r>
+            <a:r>
+              <a:rPr lang="zh-TW" altLang="en-US" dirty="0" smtClean="0"/>
+              <a:t>操作的無意義程式碼</a:t>
+            </a:r>
+            <a:r>
+              <a:rPr lang="en-US" altLang="zh-TW" dirty="0" smtClean="0"/>
+              <a:t>….</a:t>
+            </a:r>
+          </a:p>
+          <a:p>
+            <a:r>
+              <a:rPr lang="zh-TW" altLang="en-US" dirty="0" smtClean="0"/>
+              <a:t>前後端程式碼絞在一起，導致初始化</a:t>
+            </a:r>
+            <a:r>
+              <a:rPr lang="zh-TW" altLang="en-US" dirty="0"/>
+              <a:t>、</a:t>
+            </a:r>
+            <a:r>
+              <a:rPr lang="zh-TW" altLang="en-US" dirty="0" smtClean="0"/>
+              <a:t>邏輯等問題</a:t>
+            </a:r>
+            <a:endParaRPr lang="en-US" altLang="zh-TW" dirty="0"/>
+          </a:p>
+          <a:p>
+            <a:r>
+              <a:rPr lang="zh-TW" altLang="en-US" dirty="0"/>
+              <a:t>因</a:t>
+            </a:r>
+            <a:r>
+              <a:rPr lang="en-US" altLang="zh-TW" dirty="0"/>
+              <a:t>SQL</a:t>
+            </a:r>
+            <a:r>
+              <a:rPr lang="zh-TW" altLang="en-US" dirty="0"/>
+              <a:t>語法、程式的時間複雜度，讓使用者等待太久</a:t>
+            </a:r>
+            <a:endParaRPr lang="en-US" altLang="zh-TW" dirty="0"/>
+          </a:p>
+          <a:p>
+            <a:r>
+              <a:rPr lang="zh-TW" altLang="en-US" dirty="0"/>
+              <a:t>換一套程式語言、框架等</a:t>
+            </a:r>
+            <a:r>
+              <a:rPr lang="en-US" altLang="zh-TW" dirty="0"/>
+              <a:t>…</a:t>
+            </a:r>
+            <a:r>
+              <a:rPr lang="zh-TW" altLang="en-US" dirty="0"/>
+              <a:t>，邏輯卻都要</a:t>
+            </a:r>
+            <a:r>
+              <a:rPr lang="zh-TW" altLang="en-US" dirty="0" smtClean="0"/>
+              <a:t>重寫</a:t>
+            </a:r>
+            <a:r>
+              <a:rPr lang="en-US" altLang="zh-TW" dirty="0" smtClean="0"/>
+              <a:t>…</a:t>
+            </a:r>
+            <a:endParaRPr lang="en-US" altLang="zh-TW" dirty="0"/>
+          </a:p>
+          <a:p>
+            <a:endParaRPr lang="zh-TW" altLang="en-US" dirty="0"/>
+          </a:p>
+        </p:txBody>
+      </p:sp>
+      <p:pic>
+        <p:nvPicPr>
+          <p:cNvPr id="7" name="內容版面配置區 3"/>
+          <p:cNvPicPr>
+            <a:picLocks noChangeAspect="1"/>
+          </p:cNvPicPr>
+          <p:nvPr/>
+        </p:nvPicPr>
+        <p:blipFill>
+          <a:blip r:embed="rId2"/>
+          <a:stretch>
+            <a:fillRect/>
+          </a:stretch>
+        </p:blipFill>
+        <p:spPr>
+          <a:xfrm>
+            <a:off x="2292627" y="1264555"/>
+            <a:ext cx="6645966" cy="5102087"/>
+          </a:xfrm>
+          <a:prstGeom prst="rect">
+            <a:avLst/>
+          </a:prstGeom>
+        </p:spPr>
+      </p:pic>
+    </p:spTree>
+    <p:extLst>
+      <p:ext uri="{BB962C8B-B14F-4D97-AF65-F5344CB8AC3E}">
+        <p14:creationId xmlns:p14="http://schemas.microsoft.com/office/powerpoint/2010/main" val="2104481596"/>
+      </p:ext>
+    </p:extLst>
+  </p:cSld>
+  <p:clrMapOvr>
+    <a:masterClrMapping/>
+  </p:clrMapOvr>
+  <p:timing>
+    <p:tnLst>
+      <p:par>
+        <p:cTn id="1" dur="indefinite" restart="never" nodeType="tmRoot">
+          <p:childTnLst>
+            <p:seq concurrent="1" nextAc="seek">
+              <p:cTn id="2" dur="indefinite" nodeType="mainSeq">
+                <p:childTnLst>
+                  <p:par>
+                    <p:cTn id="3" fill="hold">
+                      <p:stCondLst>
+                        <p:cond delay="indefinite"/>
+                      </p:stCondLst>
+                      <p:childTnLst>
+                        <p:par>
+                          <p:cTn id="4" fill="hold">
+                            <p:stCondLst>
+                              <p:cond delay="0"/>
+                            </p:stCondLst>
+                            <p:childTnLst>
+                              <p:par>
+                                <p:cTn id="5" presetID="42" presetClass="entr" presetSubtype="0" fill="hold" nodeType="clickEffect">
+                                  <p:stCondLst>
+                                    <p:cond delay="0"/>
+                                  </p:stCondLst>
+                                  <p:childTnLst>
+                                    <p:set>
+                                      <p:cBhvr>
+                                        <p:cTn id="6" dur="1" fill="hold">
+                                          <p:stCondLst>
+                                            <p:cond delay="0"/>
+                                          </p:stCondLst>
+                                        </p:cTn>
+                                        <p:tgtEl>
+                                          <p:spTgt spid="7"/>
+                                        </p:tgtEl>
+                                        <p:attrNameLst>
+                                          <p:attrName>style.visibility</p:attrName>
+                                        </p:attrNameLst>
+                                      </p:cBhvr>
+                                      <p:to>
+                                        <p:strVal val="visible"/>
+                                      </p:to>
+                                    </p:set>
+                                    <p:animEffect transition="in" filter="fade">
+                                      <p:cBhvr>
+                                        <p:cTn id="7" dur="1000"/>
+                                        <p:tgtEl>
+                                          <p:spTgt spid="7"/>
+                                        </p:tgtEl>
+                                      </p:cBhvr>
+                                    </p:animEffect>
+                                    <p:anim calcmode="lin" valueType="num">
+                                      <p:cBhvr>
+                                        <p:cTn id="8" dur="1000" fill="hold"/>
+                                        <p:tgtEl>
+                                          <p:spTgt spid="7"/>
+                                        </p:tgtEl>
+                                        <p:attrNameLst>
+                                          <p:attrName>ppt_x</p:attrName>
+                                        </p:attrNameLst>
+                                      </p:cBhvr>
+                                      <p:tavLst>
+                                        <p:tav tm="0">
+                                          <p:val>
+                                            <p:strVal val="#ppt_x"/>
+                                          </p:val>
+                                        </p:tav>
+                                        <p:tav tm="100000">
+                                          <p:val>
+                                            <p:strVal val="#ppt_x"/>
+                                          </p:val>
+                                        </p:tav>
+                                      </p:tavLst>
+                                    </p:anim>
+                                    <p:anim calcmode="lin" valueType="num">
+                                      <p:cBhvr>
+                                        <p:cTn id="9" dur="1000" fill="hold"/>
+                                        <p:tgtEl>
+                                          <p:spTgt spid="7"/>
+                                        </p:tgtEl>
+                                        <p:attrNameLst>
+                                          <p:attrName>ppt_y</p:attrName>
+                                        </p:attrNameLst>
+                                      </p:cBhvr>
+                                      <p:tavLst>
+                                        <p:tav tm="0">
+                                          <p:val>
+                                            <p:strVal val="#ppt_y+.1"/>
+                                          </p:val>
+                                        </p:tav>
+                                        <p:tav tm="100000">
+                                          <p:val>
+                                            <p:strVal val="#ppt_y"/>
+                                          </p:val>
+                                        </p:tav>
+                                      </p:tavLst>
+                                    </p:anim>
+                                  </p:childTnLst>
+                                </p:cTn>
+                              </p:par>
+                            </p:childTnLst>
+                          </p:cTn>
+                        </p:par>
+                      </p:childTnLst>
+                    </p:cTn>
+                  </p:par>
+                </p:childTnLst>
+              </p:cTn>
+              <p:prevCondLst>
+                <p:cond evt="onPrev" delay="0">
+                  <p:tgtEl>
+                    <p:sldTgt/>
+                  </p:tgtEl>
+                </p:cond>
+              </p:prevCondLst>
+              <p:nextCondLst>
+                <p:cond evt="onNext" delay="0">
+                  <p:tgtEl>
+                    <p:sldTgt/>
+                  </p:tgtEl>
+                </p:cond>
+              </p:nextCondLst>
+            </p:seq>
+          </p:childTnLst>
+        </p:cTn>
+      </p:par>
+    </p:tnLst>
+  </p:timing>
+</p:sld>
+</file>
+
+<file path=ppt/slides/slide4.xml><?xml version="1.0" encoding="utf-8"?>
+<p:sld xmlns:a="http://schemas.openxmlformats.org/drawingml/2006/main" xmlns:r="http://schemas.openxmlformats.org/officeDocument/2006/relationships" xmlns:p="http://schemas.openxmlformats.org/presentationml/2006/main">
+  <p:cSld>
+    <p:spTree>
+      <p:nvGrpSpPr>
+        <p:cNvPr id="1" name=""/>
+        <p:cNvGrpSpPr/>
+        <p:nvPr/>
+      </p:nvGrpSpPr>
+      <p:grpSpPr>
+        <a:xfrm>
+          <a:off x="0" y="0"/>
+          <a:ext cx="0" cy="0"/>
+          <a:chOff x="0" y="0"/>
+          <a:chExt cx="0" cy="0"/>
+        </a:xfrm>
+      </p:grpSpPr>
+      <p:pic>
+        <p:nvPicPr>
+          <p:cNvPr id="19" name="圖片 18"/>
+          <p:cNvPicPr>
+            <a:picLocks noChangeAspect="1"/>
+          </p:cNvPicPr>
+          <p:nvPr/>
+        </p:nvPicPr>
+        <p:blipFill>
+          <a:blip r:embed="rId2"/>
+          <a:stretch>
+            <a:fillRect/>
+          </a:stretch>
+        </p:blipFill>
+        <p:spPr>
+          <a:xfrm>
+            <a:off x="205409" y="53009"/>
+            <a:ext cx="5168347" cy="3517748"/>
+          </a:xfrm>
+          <a:prstGeom prst="rect">
+            <a:avLst/>
+          </a:prstGeom>
+        </p:spPr>
+      </p:pic>
+      <p:pic>
+        <p:nvPicPr>
+          <p:cNvPr id="20" name="圖片 19"/>
+          <p:cNvPicPr>
+            <a:picLocks noChangeAspect="1"/>
+          </p:cNvPicPr>
+          <p:nvPr/>
+        </p:nvPicPr>
+        <p:blipFill>
+          <a:blip r:embed="rId3"/>
+          <a:stretch>
+            <a:fillRect/>
+          </a:stretch>
+        </p:blipFill>
+        <p:spPr>
+          <a:xfrm>
+            <a:off x="471482" y="3269591"/>
+            <a:ext cx="6969613" cy="3237533"/>
+          </a:xfrm>
+          <a:prstGeom prst="rect">
+            <a:avLst/>
+          </a:prstGeom>
+        </p:spPr>
+      </p:pic>
+      <p:pic>
+        <p:nvPicPr>
+          <p:cNvPr id="21" name="圖片 20"/>
+          <p:cNvPicPr>
+            <a:picLocks noChangeAspect="1"/>
+          </p:cNvPicPr>
+          <p:nvPr/>
+        </p:nvPicPr>
+        <p:blipFill>
+          <a:blip r:embed="rId4"/>
+          <a:stretch>
+            <a:fillRect/>
+          </a:stretch>
+        </p:blipFill>
+        <p:spPr>
+          <a:xfrm>
+            <a:off x="5579165" y="715618"/>
+            <a:ext cx="6416904" cy="3744245"/>
+          </a:xfrm>
+          <a:prstGeom prst="rect">
+            <a:avLst/>
+          </a:prstGeom>
+        </p:spPr>
+      </p:pic>
+    </p:spTree>
+    <p:extLst>
+      <p:ext uri="{BB962C8B-B14F-4D97-AF65-F5344CB8AC3E}">
+        <p14:creationId xmlns:p14="http://schemas.microsoft.com/office/powerpoint/2010/main" val="3115201234"/>
+      </p:ext>
+    </p:extLst>
+  </p:cSld>
+  <p:clrMapOvr>
+    <a:masterClrMapping/>
+  </p:clrMapOvr>
+  <p:timing>
+    <p:tnLst>
+      <p:par>
+        <p:cTn id="1" dur="indefinite" restart="never" nodeType="tmRoot"/>
+      </p:par>
+    </p:tnLst>
+  </p:timing>
+</p:sld>
+</file>
+
+<file path=ppt/slides/slide5.xml><?xml version="1.0" encoding="utf-8"?>
+<p:sld xmlns:a="http://schemas.openxmlformats.org/drawingml/2006/main" xmlns:r="http://schemas.openxmlformats.org/officeDocument/2006/relationships" xmlns:p="http://schemas.openxmlformats.org/presentationml/2006/main">
+  <p:cSld>
+    <p:spTree>
+      <p:nvGrpSpPr>
+        <p:cNvPr id="1" name=""/>
+        <p:cNvGrpSpPr/>
+        <p:nvPr/>
+      </p:nvGrpSpPr>
+      <p:grpSpPr>
+        <a:xfrm>
+          <a:off x="0" y="0"/>
+          <a:ext cx="0" cy="0"/>
+          <a:chOff x="0" y="0"/>
+          <a:chExt cx="0" cy="0"/>
+        </a:xfrm>
+      </p:grpSpPr>
+      <p:pic>
+        <p:nvPicPr>
+          <p:cNvPr id="4" name="圖片 3"/>
+          <p:cNvPicPr>
+            <a:picLocks noChangeAspect="1"/>
+          </p:cNvPicPr>
+          <p:nvPr/>
+        </p:nvPicPr>
+        <p:blipFill>
+          <a:blip r:embed="rId2"/>
+          <a:stretch>
+            <a:fillRect/>
+          </a:stretch>
+        </p:blipFill>
+        <p:spPr>
+          <a:xfrm>
+            <a:off x="4252604" y="795131"/>
+            <a:ext cx="3766617" cy="5660750"/>
+          </a:xfrm>
+          <a:prstGeom prst="rect">
+            <a:avLst/>
+          </a:prstGeom>
+        </p:spPr>
+      </p:pic>
+    </p:spTree>
+    <p:extLst>
+      <p:ext uri="{BB962C8B-B14F-4D97-AF65-F5344CB8AC3E}">
+        <p14:creationId xmlns:p14="http://schemas.microsoft.com/office/powerpoint/2010/main" val="4084481209"/>
+      </p:ext>
+    </p:extLst>
+  </p:cSld>
+  <p:clrMapOvr>
+    <a:masterClrMapping/>
+  </p:clrMapOvr>
+  <p:timing>
+    <p:tnLst>
+      <p:par>
+        <p:cTn id="1" dur="indefinite" restart="never" nodeType="tmRoot"/>
+      </p:par>
+    </p:tnLst>
+  </p:timing>
+</p:sld>
+</file>
+
+<file path=ppt/slides/slide6.xml><?xml version="1.0" encoding="utf-8"?>
 <p:sld xmlns:a="http://schemas.openxmlformats.org/drawingml/2006/main" xmlns:r="http://schemas.openxmlformats.org/officeDocument/2006/relationships" xmlns:p="http://schemas.openxmlformats.org/presentationml/2006/main">
   <p:cSld>
     <p:spTree>
@@ -7991,7 +9330,7 @@
 </p:sld>
 </file>
 
-<file path=ppt/slides/slide4.xml><?xml version="1.0" encoding="utf-8"?>
+<file path=ppt/slides/slide7.xml><?xml version="1.0" encoding="utf-8"?>
 <p:sld xmlns:a="http://schemas.openxmlformats.org/drawingml/2006/main" xmlns:r="http://schemas.openxmlformats.org/officeDocument/2006/relationships" xmlns:p="http://schemas.openxmlformats.org/presentationml/2006/main">
   <p:cSld>
     <p:spTree>
@@ -8050,10 +9389,17 @@
   <p:clrMapOvr>
     <a:masterClrMapping/>
   </p:clrMapOvr>
+  <p:timing>
+    <p:tnLst>
+      <p:par>
+        <p:cTn id="1" dur="indefinite" restart="never" nodeType="tmRoot"/>
+      </p:par>
+    </p:tnLst>
+  </p:timing>
 </p:sld>
 </file>
 
-<file path=ppt/slides/slide5.xml><?xml version="1.0" encoding="utf-8"?>
+<file path=ppt/slides/slide8.xml><?xml version="1.0" encoding="utf-8"?>
 <p:sld xmlns:a="http://schemas.openxmlformats.org/drawingml/2006/main" xmlns:r="http://schemas.openxmlformats.org/officeDocument/2006/relationships" xmlns:p="http://schemas.openxmlformats.org/presentationml/2006/main">
   <p:cSld>
     <p:spTree>
@@ -8144,10 +9490,17 @@
   <p:clrMapOvr>
     <a:masterClrMapping/>
   </p:clrMapOvr>
+  <p:timing>
+    <p:tnLst>
+      <p:par>
+        <p:cTn id="1" dur="indefinite" restart="never" nodeType="tmRoot"/>
+      </p:par>
+    </p:tnLst>
+  </p:timing>
 </p:sld>
 </file>
 
-<file path=ppt/slides/slide6.xml><?xml version="1.0" encoding="utf-8"?>
+<file path=ppt/slides/slide9.xml><?xml version="1.0" encoding="utf-8"?>
 <p:sld xmlns:a="http://schemas.openxmlformats.org/drawingml/2006/main" xmlns:r="http://schemas.openxmlformats.org/officeDocument/2006/relationships" xmlns:p="http://schemas.openxmlformats.org/presentationml/2006/main">
   <p:cSld>
     <p:spTree>
@@ -8239,245 +9592,13 @@
   <p:clrMapOvr>
     <a:masterClrMapping/>
   </p:clrMapOvr>
-</p:sld>
-</file>
-
-<file path=ppt/slides/slide7.xml><?xml version="1.0" encoding="utf-8"?>
-<p:sld xmlns:a="http://schemas.openxmlformats.org/drawingml/2006/main" xmlns:r="http://schemas.openxmlformats.org/officeDocument/2006/relationships" xmlns:p="http://schemas.openxmlformats.org/presentationml/2006/main">
-  <p:cSld>
-    <p:spTree>
-      <p:nvGrpSpPr>
-        <p:cNvPr id="1" name=""/>
-        <p:cNvGrpSpPr/>
-        <p:nvPr/>
-      </p:nvGrpSpPr>
-      <p:grpSpPr>
-        <a:xfrm>
-          <a:off x="0" y="0"/>
-          <a:ext cx="0" cy="0"/>
-          <a:chOff x="0" y="0"/>
-          <a:chExt cx="0" cy="0"/>
-        </a:xfrm>
-      </p:grpSpPr>
-      <p:sp>
-        <p:nvSpPr>
-          <p:cNvPr id="2" name="標題 1"/>
-          <p:cNvSpPr>
-            <a:spLocks noGrp="1"/>
-          </p:cNvSpPr>
-          <p:nvPr>
-            <p:ph type="title"/>
-          </p:nvPr>
-        </p:nvSpPr>
-        <p:spPr>
-          <a:xfrm>
-            <a:off x="2592925" y="624110"/>
-            <a:ext cx="8911687" cy="640445"/>
-          </a:xfrm>
-        </p:spPr>
-        <p:txBody>
-          <a:bodyPr>
-            <a:normAutofit/>
-          </a:bodyPr>
-          <a:lstStyle/>
-          <a:p>
-            <a:r>
-              <a:rPr lang="en-US" altLang="zh-TW" b="1" dirty="0">
-                <a:latin typeface="+mj-ea"/>
-              </a:rPr>
-              <a:t>Single Page Application(SPA)</a:t>
-            </a:r>
-            <a:endParaRPr lang="zh-TW" altLang="en-US" b="1" dirty="0">
-              <a:latin typeface="+mj-ea"/>
-            </a:endParaRPr>
-          </a:p>
-        </p:txBody>
-      </p:sp>
-      <p:pic>
-        <p:nvPicPr>
-          <p:cNvPr id="5" name="內容版面配置區 4"/>
-          <p:cNvPicPr>
-            <a:picLocks noGrp="1" noChangeAspect="1"/>
-          </p:cNvPicPr>
-          <p:nvPr>
-            <p:ph idx="1"/>
-          </p:nvPr>
-        </p:nvPicPr>
-        <p:blipFill>
-          <a:blip r:embed="rId2"/>
-          <a:stretch>
-            <a:fillRect/>
-          </a:stretch>
-        </p:blipFill>
-        <p:spPr>
-          <a:xfrm>
-            <a:off x="2592925" y="1264555"/>
-            <a:ext cx="8179152" cy="5148146"/>
-          </a:xfrm>
-          <a:prstGeom prst="rect">
-            <a:avLst/>
-          </a:prstGeom>
-        </p:spPr>
-      </p:pic>
-    </p:spTree>
-    <p:extLst>
-      <p:ext uri="{BB962C8B-B14F-4D97-AF65-F5344CB8AC3E}">
-        <p14:creationId xmlns:p14="http://schemas.microsoft.com/office/powerpoint/2010/main" val="2837648607"/>
-      </p:ext>
-    </p:extLst>
-  </p:cSld>
-  <p:clrMapOvr>
-    <a:masterClrMapping/>
-  </p:clrMapOvr>
-</p:sld>
-</file>
-
-<file path=ppt/slides/slide8.xml><?xml version="1.0" encoding="utf-8"?>
-<p:sld xmlns:a="http://schemas.openxmlformats.org/drawingml/2006/main" xmlns:r="http://schemas.openxmlformats.org/officeDocument/2006/relationships" xmlns:p="http://schemas.openxmlformats.org/presentationml/2006/main">
-  <p:cSld>
-    <p:spTree>
-      <p:nvGrpSpPr>
-        <p:cNvPr id="1" name=""/>
-        <p:cNvGrpSpPr/>
-        <p:nvPr/>
-      </p:nvGrpSpPr>
-      <p:grpSpPr>
-        <a:xfrm>
-          <a:off x="0" y="0"/>
-          <a:ext cx="0" cy="0"/>
-          <a:chOff x="0" y="0"/>
-          <a:chExt cx="0" cy="0"/>
-        </a:xfrm>
-      </p:grpSpPr>
-      <p:sp>
-        <p:nvSpPr>
-          <p:cNvPr id="2" name="標題 1"/>
-          <p:cNvSpPr>
-            <a:spLocks noGrp="1"/>
-          </p:cNvSpPr>
-          <p:nvPr>
-            <p:ph type="title"/>
-          </p:nvPr>
-        </p:nvSpPr>
-        <p:spPr>
-          <a:xfrm>
-            <a:off x="1923852" y="2631329"/>
-            <a:ext cx="8911687" cy="1280890"/>
-          </a:xfrm>
-        </p:spPr>
-        <p:txBody>
-          <a:bodyPr/>
-          <a:lstStyle/>
-          <a:p>
-            <a:pPr algn="ctr">
-              <a:lnSpc>
-                <a:spcPct val="200000"/>
-              </a:lnSpc>
-            </a:pPr>
-            <a:r>
-              <a:rPr lang="zh-TW" altLang="en-US" dirty="0"/>
-              <a:t>目前構思</a:t>
-            </a:r>
-          </a:p>
-        </p:txBody>
-      </p:sp>
-    </p:spTree>
-    <p:extLst>
-      <p:ext uri="{BB962C8B-B14F-4D97-AF65-F5344CB8AC3E}">
-        <p14:creationId xmlns:p14="http://schemas.microsoft.com/office/powerpoint/2010/main" val="1623776780"/>
-      </p:ext>
-    </p:extLst>
-  </p:cSld>
-  <p:clrMapOvr>
-    <a:masterClrMapping/>
-  </p:clrMapOvr>
-</p:sld>
-</file>
-
-<file path=ppt/slides/slide9.xml><?xml version="1.0" encoding="utf-8"?>
-<p:sld xmlns:a="http://schemas.openxmlformats.org/drawingml/2006/main" xmlns:r="http://schemas.openxmlformats.org/officeDocument/2006/relationships" xmlns:p="http://schemas.openxmlformats.org/presentationml/2006/main">
-  <p:cSld>
-    <p:spTree>
-      <p:nvGrpSpPr>
-        <p:cNvPr id="1" name=""/>
-        <p:cNvGrpSpPr/>
-        <p:nvPr/>
-      </p:nvGrpSpPr>
-      <p:grpSpPr>
-        <a:xfrm>
-          <a:off x="0" y="0"/>
-          <a:ext cx="0" cy="0"/>
-          <a:chOff x="0" y="0"/>
-          <a:chExt cx="0" cy="0"/>
-        </a:xfrm>
-      </p:grpSpPr>
-      <p:sp>
-        <p:nvSpPr>
-          <p:cNvPr id="2" name="標題 1"/>
-          <p:cNvSpPr>
-            <a:spLocks noGrp="1"/>
-          </p:cNvSpPr>
-          <p:nvPr>
-            <p:ph type="title"/>
-          </p:nvPr>
-        </p:nvSpPr>
-        <p:spPr/>
-        <p:txBody>
-          <a:bodyPr/>
-          <a:lstStyle/>
-          <a:p>
-            <a:r>
-              <a:rPr lang="en-US" altLang="zh-TW" dirty="0" err="1" smtClean="0"/>
-              <a:t>Laravel</a:t>
-            </a:r>
-            <a:r>
-              <a:rPr lang="en-US" altLang="zh-TW" dirty="0" smtClean="0"/>
-              <a:t> + </a:t>
-            </a:r>
-            <a:r>
-              <a:rPr lang="en-US" altLang="zh-TW" dirty="0" err="1" smtClean="0"/>
-              <a:t>Vue</a:t>
-            </a:r>
-            <a:endParaRPr lang="zh-TW" altLang="en-US" dirty="0"/>
-          </a:p>
-        </p:txBody>
-      </p:sp>
-      <p:pic>
-        <p:nvPicPr>
-          <p:cNvPr id="4" name="內容版面配置區 3"/>
-          <p:cNvPicPr>
-            <a:picLocks noGrp="1" noChangeAspect="1"/>
-          </p:cNvPicPr>
-          <p:nvPr>
-            <p:ph idx="1"/>
-          </p:nvPr>
-        </p:nvPicPr>
-        <p:blipFill>
-          <a:blip r:embed="rId2"/>
-          <a:stretch>
-            <a:fillRect/>
-          </a:stretch>
-        </p:blipFill>
-        <p:spPr>
-          <a:xfrm>
-            <a:off x="2592925" y="1477589"/>
-            <a:ext cx="8045338" cy="4733640"/>
-          </a:xfrm>
-          <a:prstGeom prst="rect">
-            <a:avLst/>
-          </a:prstGeom>
-        </p:spPr>
-      </p:pic>
-    </p:spTree>
-    <p:extLst>
-      <p:ext uri="{BB962C8B-B14F-4D97-AF65-F5344CB8AC3E}">
-        <p14:creationId xmlns:p14="http://schemas.microsoft.com/office/powerpoint/2010/main" val="13192813"/>
-      </p:ext>
-    </p:extLst>
-  </p:cSld>
-  <p:clrMapOvr>
-    <a:masterClrMapping/>
-  </p:clrMapOvr>
+  <p:timing>
+    <p:tnLst>
+      <p:par>
+        <p:cTn id="1" dur="indefinite" restart="never" nodeType="tmRoot"/>
+      </p:par>
+    </p:tnLst>
+  </p:timing>
 </p:sld>
 </file>
 
